--- a/ppt/05-12.pptx
+++ b/ppt/05-12.pptx
@@ -3187,66 +3187,6 @@
       </p:grpSpPr>
       <p:pic>
         <p:nvPicPr>
-          <p:cNvPr id="4" name="그림 3">
-            <a:extLst>
-              <a:ext uri="{FF2B5EF4-FFF2-40B4-BE49-F238E27FC236}">
-                <a16:creationId xmlns:a16="http://schemas.microsoft.com/office/drawing/2014/main" id="{B32637ED-9662-3B51-38C0-30C281F75B53}"/>
-              </a:ext>
-            </a:extLst>
-          </p:cNvPr>
-          <p:cNvPicPr>
-            <a:picLocks noChangeAspect="1"/>
-          </p:cNvPicPr>
-          <p:nvPr/>
-        </p:nvPicPr>
-        <p:blipFill>
-          <a:blip r:embed="rId2"/>
-          <a:stretch>
-            <a:fillRect/>
-          </a:stretch>
-        </p:blipFill>
-        <p:spPr>
-          <a:xfrm>
-            <a:off x="563075" y="1495378"/>
-            <a:ext cx="3734321" cy="666843"/>
-          </a:xfrm>
-          <a:prstGeom prst="rect">
-            <a:avLst/>
-          </a:prstGeom>
-        </p:spPr>
-      </p:pic>
-      <p:pic>
-        <p:nvPicPr>
-          <p:cNvPr id="6" name="그림 5">
-            <a:extLst>
-              <a:ext uri="{FF2B5EF4-FFF2-40B4-BE49-F238E27FC236}">
-                <a16:creationId xmlns:a16="http://schemas.microsoft.com/office/drawing/2014/main" id="{5645AC54-7EFA-5E93-E624-96158084644B}"/>
-              </a:ext>
-            </a:extLst>
-          </p:cNvPr>
-          <p:cNvPicPr>
-            <a:picLocks noChangeAspect="1"/>
-          </p:cNvPicPr>
-          <p:nvPr/>
-        </p:nvPicPr>
-        <p:blipFill>
-          <a:blip r:embed="rId3"/>
-          <a:stretch>
-            <a:fillRect/>
-          </a:stretch>
-        </p:blipFill>
-        <p:spPr>
-          <a:xfrm>
-            <a:off x="563075" y="2932641"/>
-            <a:ext cx="3439005" cy="800212"/>
-          </a:xfrm>
-          <a:prstGeom prst="rect">
-            <a:avLst/>
-          </a:prstGeom>
-        </p:spPr>
-      </p:pic>
-      <p:pic>
-        <p:nvPicPr>
           <p:cNvPr id="14" name="그림 13">
             <a:extLst>
               <a:ext uri="{FF2B5EF4-FFF2-40B4-BE49-F238E27FC236}">
@@ -3260,7 +3200,7 @@
           <p:nvPr/>
         </p:nvPicPr>
         <p:blipFill>
-          <a:blip r:embed="rId4"/>
+          <a:blip r:embed="rId2"/>
           <a:stretch>
             <a:fillRect/>
           </a:stretch>
@@ -3364,7 +3304,7 @@
           <p:nvPr/>
         </p:nvPicPr>
         <p:blipFill>
-          <a:blip r:embed="rId5"/>
+          <a:blip r:embed="rId3"/>
           <a:stretch>
             <a:fillRect/>
           </a:stretch>
@@ -3394,7 +3334,7 @@
           <p:nvPr/>
         </p:nvPicPr>
         <p:blipFill>
-          <a:blip r:embed="rId6"/>
+          <a:blip r:embed="rId4"/>
           <a:stretch>
             <a:fillRect/>
           </a:stretch>
@@ -3514,6 +3454,66 @@
           </a:p>
         </p:txBody>
       </p:sp>
+      <p:pic>
+        <p:nvPicPr>
+          <p:cNvPr id="11" name="그림 10">
+            <a:extLst>
+              <a:ext uri="{FF2B5EF4-FFF2-40B4-BE49-F238E27FC236}">
+                <a16:creationId xmlns:a16="http://schemas.microsoft.com/office/drawing/2014/main" id="{3350A19D-2355-2585-9145-177FDB5FD438}"/>
+              </a:ext>
+            </a:extLst>
+          </p:cNvPr>
+          <p:cNvPicPr>
+            <a:picLocks noChangeAspect="1"/>
+          </p:cNvPicPr>
+          <p:nvPr/>
+        </p:nvPicPr>
+        <p:blipFill>
+          <a:blip r:embed="rId5"/>
+          <a:stretch>
+            <a:fillRect/>
+          </a:stretch>
+        </p:blipFill>
+        <p:spPr>
+          <a:xfrm>
+            <a:off x="591654" y="1492278"/>
+            <a:ext cx="2495898" cy="695422"/>
+          </a:xfrm>
+          <a:prstGeom prst="rect">
+            <a:avLst/>
+          </a:prstGeom>
+        </p:spPr>
+      </p:pic>
+      <p:pic>
+        <p:nvPicPr>
+          <p:cNvPr id="12" name="그림 11">
+            <a:extLst>
+              <a:ext uri="{FF2B5EF4-FFF2-40B4-BE49-F238E27FC236}">
+                <a16:creationId xmlns:a16="http://schemas.microsoft.com/office/drawing/2014/main" id="{18821F87-56DC-31A7-8B75-EBE4E6CD83BE}"/>
+              </a:ext>
+            </a:extLst>
+          </p:cNvPr>
+          <p:cNvPicPr>
+            <a:picLocks noChangeAspect="1"/>
+          </p:cNvPicPr>
+          <p:nvPr/>
+        </p:nvPicPr>
+        <p:blipFill>
+          <a:blip r:embed="rId6"/>
+          <a:stretch>
+            <a:fillRect/>
+          </a:stretch>
+        </p:blipFill>
+        <p:spPr>
+          <a:xfrm>
+            <a:off x="610707" y="2607243"/>
+            <a:ext cx="3686689" cy="857370"/>
+          </a:xfrm>
+          <a:prstGeom prst="rect">
+            <a:avLst/>
+          </a:prstGeom>
+        </p:spPr>
+      </p:pic>
     </p:spTree>
     <p:extLst>
       <p:ext uri="{BB962C8B-B14F-4D97-AF65-F5344CB8AC3E}">
@@ -3740,7 +3740,7 @@
         <p:spPr>
           <a:xfrm>
             <a:off x="299803" y="217357"/>
-            <a:ext cx="1197764" cy="369332"/>
+            <a:ext cx="1872629" cy="369332"/>
           </a:xfrm>
           <a:prstGeom prst="rect">
             <a:avLst/>
@@ -3755,12 +3755,146 @@
           <a:p>
             <a:r>
               <a:rPr lang="en-US" altLang="ko-KR" dirty="0"/>
-              <a:t>11111111</a:t>
+              <a:t>UI-SJN-01-001U</a:t>
             </a:r>
             <a:endParaRPr lang="ko-KR" altLang="en-US" dirty="0"/>
           </a:p>
         </p:txBody>
       </p:sp>
+      <p:pic>
+        <p:nvPicPr>
+          <p:cNvPr id="4" name="그림 3">
+            <a:extLst>
+              <a:ext uri="{FF2B5EF4-FFF2-40B4-BE49-F238E27FC236}">
+                <a16:creationId xmlns:a16="http://schemas.microsoft.com/office/drawing/2014/main" id="{6C7BB9B6-7D35-FD79-EAA2-ACD6CC22CFB2}"/>
+              </a:ext>
+            </a:extLst>
+          </p:cNvPr>
+          <p:cNvPicPr>
+            <a:picLocks noChangeAspect="1"/>
+          </p:cNvPicPr>
+          <p:nvPr/>
+        </p:nvPicPr>
+        <p:blipFill>
+          <a:blip r:embed="rId2"/>
+          <a:stretch>
+            <a:fillRect/>
+          </a:stretch>
+        </p:blipFill>
+        <p:spPr>
+          <a:xfrm>
+            <a:off x="299803" y="903121"/>
+            <a:ext cx="3858163" cy="5639587"/>
+          </a:xfrm>
+          <a:prstGeom prst="rect">
+            <a:avLst/>
+          </a:prstGeom>
+        </p:spPr>
+      </p:pic>
+      <p:cxnSp>
+        <p:nvCxnSpPr>
+          <p:cNvPr id="6" name="직선 화살표 연결선 5">
+            <a:extLst>
+              <a:ext uri="{FF2B5EF4-FFF2-40B4-BE49-F238E27FC236}">
+                <a16:creationId xmlns:a16="http://schemas.microsoft.com/office/drawing/2014/main" id="{A41DC79E-956F-6DE1-AD16-D024424081B8}"/>
+              </a:ext>
+            </a:extLst>
+          </p:cNvPr>
+          <p:cNvCxnSpPr/>
+          <p:nvPr/>
+        </p:nvCxnSpPr>
+        <p:spPr>
+          <a:xfrm>
+            <a:off x="4645091" y="3485979"/>
+            <a:ext cx="1094014" cy="0"/>
+          </a:xfrm>
+          <a:prstGeom prst="straightConnector1">
+            <a:avLst/>
+          </a:prstGeom>
+          <a:ln>
+            <a:tailEnd type="triangle"/>
+          </a:ln>
+        </p:spPr>
+        <p:style>
+          <a:lnRef idx="1">
+            <a:schemeClr val="accent1"/>
+          </a:lnRef>
+          <a:fillRef idx="0">
+            <a:schemeClr val="accent1"/>
+          </a:fillRef>
+          <a:effectRef idx="0">
+            <a:schemeClr val="accent1"/>
+          </a:effectRef>
+          <a:fontRef idx="minor">
+            <a:schemeClr val="tx1"/>
+          </a:fontRef>
+        </p:style>
+      </p:cxnSp>
+      <p:sp>
+        <p:nvSpPr>
+          <p:cNvPr id="7" name="TextBox 6">
+            <a:extLst>
+              <a:ext uri="{FF2B5EF4-FFF2-40B4-BE49-F238E27FC236}">
+                <a16:creationId xmlns:a16="http://schemas.microsoft.com/office/drawing/2014/main" id="{8F86188C-C5C4-6C48-61F0-877E7ED7A983}"/>
+              </a:ext>
+            </a:extLst>
+          </p:cNvPr>
+          <p:cNvSpPr txBox="1"/>
+          <p:nvPr/>
+        </p:nvSpPr>
+        <p:spPr>
+          <a:xfrm>
+            <a:off x="4481807" y="2726700"/>
+            <a:ext cx="1420582" cy="369332"/>
+          </a:xfrm>
+          <a:prstGeom prst="rect">
+            <a:avLst/>
+          </a:prstGeom>
+          <a:noFill/>
+        </p:spPr>
+        <p:txBody>
+          <a:bodyPr wrap="none" rtlCol="0">
+            <a:spAutoFit/>
+          </a:bodyPr>
+          <a:lstStyle/>
+          <a:p>
+            <a:r>
+              <a:rPr lang="ko-KR" altLang="en-US"/>
+              <a:t>디자인 수정</a:t>
+            </a:r>
+          </a:p>
+        </p:txBody>
+      </p:sp>
+      <p:pic>
+        <p:nvPicPr>
+          <p:cNvPr id="13" name="그림 12">
+            <a:extLst>
+              <a:ext uri="{FF2B5EF4-FFF2-40B4-BE49-F238E27FC236}">
+                <a16:creationId xmlns:a16="http://schemas.microsoft.com/office/drawing/2014/main" id="{B466E344-1C6B-5791-405B-C1016B04DE50}"/>
+              </a:ext>
+            </a:extLst>
+          </p:cNvPr>
+          <p:cNvPicPr>
+            <a:picLocks noChangeAspect="1"/>
+          </p:cNvPicPr>
+          <p:nvPr/>
+        </p:nvPicPr>
+        <p:blipFill>
+          <a:blip r:embed="rId3"/>
+          <a:stretch>
+            <a:fillRect/>
+          </a:stretch>
+        </p:blipFill>
+        <p:spPr>
+          <a:xfrm>
+            <a:off x="6226230" y="903121"/>
+            <a:ext cx="3762900" cy="5620534"/>
+          </a:xfrm>
+          <a:prstGeom prst="rect">
+            <a:avLst/>
+          </a:prstGeom>
+        </p:spPr>
+      </p:pic>
     </p:spTree>
     <p:extLst>
       <p:ext uri="{BB962C8B-B14F-4D97-AF65-F5344CB8AC3E}">
@@ -3791,16 +3925,123 @@
           <a:chExt cx="0" cy="0"/>
         </a:xfrm>
       </p:grpSpPr>
-      <p:sp>
-        <p:nvSpPr>
-          <p:cNvPr id="2" name="TextBox 1"/>
+      <p:pic>
+        <p:nvPicPr>
+          <p:cNvPr id="8" name="그림 7">
+            <a:extLst>
+              <a:ext uri="{FF2B5EF4-FFF2-40B4-BE49-F238E27FC236}">
+                <a16:creationId xmlns:a16="http://schemas.microsoft.com/office/drawing/2014/main" id="{7571FBBD-B89C-E2A5-5395-1D6D20005BBB}"/>
+              </a:ext>
+            </a:extLst>
+          </p:cNvPr>
+          <p:cNvPicPr>
+            <a:picLocks noChangeAspect="1"/>
+          </p:cNvPicPr>
+          <p:nvPr/>
+        </p:nvPicPr>
+        <p:blipFill>
+          <a:blip r:embed="rId2"/>
+          <a:stretch>
+            <a:fillRect/>
+          </a:stretch>
+        </p:blipFill>
+        <p:spPr>
+          <a:xfrm>
+            <a:off x="6372046" y="1370491"/>
+            <a:ext cx="3477110" cy="1162212"/>
+          </a:xfrm>
+          <a:prstGeom prst="rect">
+            <a:avLst/>
+          </a:prstGeom>
+        </p:spPr>
+      </p:pic>
+      <p:pic>
+        <p:nvPicPr>
+          <p:cNvPr id="10" name="그림 9">
+            <a:extLst>
+              <a:ext uri="{FF2B5EF4-FFF2-40B4-BE49-F238E27FC236}">
+                <a16:creationId xmlns:a16="http://schemas.microsoft.com/office/drawing/2014/main" id="{94B649CC-38A2-D9A4-23A8-52817698EFCB}"/>
+              </a:ext>
+            </a:extLst>
+          </p:cNvPr>
+          <p:cNvPicPr>
+            <a:picLocks noChangeAspect="1"/>
+          </p:cNvPicPr>
+          <p:nvPr/>
+        </p:nvPicPr>
+        <p:blipFill>
+          <a:blip r:embed="rId3"/>
+          <a:stretch>
+            <a:fillRect/>
+          </a:stretch>
+        </p:blipFill>
+        <p:spPr>
+          <a:xfrm>
+            <a:off x="954964" y="1370663"/>
+            <a:ext cx="3486637" cy="1209844"/>
+          </a:xfrm>
+          <a:prstGeom prst="rect">
+            <a:avLst/>
+          </a:prstGeom>
+        </p:spPr>
+      </p:pic>
+      <p:cxnSp>
+        <p:nvCxnSpPr>
+          <p:cNvPr id="12" name="직선 화살표 연결선 11">
+            <a:extLst>
+              <a:ext uri="{FF2B5EF4-FFF2-40B4-BE49-F238E27FC236}">
+                <a16:creationId xmlns:a16="http://schemas.microsoft.com/office/drawing/2014/main" id="{8BAD9E73-2A6F-BB40-0C13-8B368FC29353}"/>
+              </a:ext>
+            </a:extLst>
+          </p:cNvPr>
+          <p:cNvCxnSpPr>
+            <a:cxnSpLocks/>
+          </p:cNvCxnSpPr>
+          <p:nvPr/>
+        </p:nvCxnSpPr>
+        <p:spPr>
+          <a:xfrm>
+            <a:off x="4589188" y="2171861"/>
+            <a:ext cx="1782858" cy="89646"/>
+          </a:xfrm>
+          <a:prstGeom prst="straightConnector1">
+            <a:avLst/>
+          </a:prstGeom>
+          <a:ln>
+            <a:tailEnd type="triangle"/>
+          </a:ln>
+        </p:spPr>
+        <p:style>
+          <a:lnRef idx="1">
+            <a:schemeClr val="accent1"/>
+          </a:lnRef>
+          <a:fillRef idx="0">
+            <a:schemeClr val="accent1"/>
+          </a:fillRef>
+          <a:effectRef idx="0">
+            <a:schemeClr val="accent1"/>
+          </a:effectRef>
+          <a:fontRef idx="minor">
+            <a:schemeClr val="tx1"/>
+          </a:fontRef>
+        </p:style>
+      </p:cxnSp>
+      <p:sp>
+        <p:nvSpPr>
+          <p:cNvPr id="13" name="TextBox 12">
+            <a:extLst>
+              <a:ext uri="{FF2B5EF4-FFF2-40B4-BE49-F238E27FC236}">
+                <a16:creationId xmlns:a16="http://schemas.microsoft.com/office/drawing/2014/main" id="{D9BA3084-6FB2-1A1C-B63F-7464EB4C6314}"/>
+              </a:ext>
+            </a:extLst>
+          </p:cNvPr>
           <p:cNvSpPr txBox="1"/>
           <p:nvPr/>
         </p:nvSpPr>
         <p:spPr>
           <a:xfrm>
-            <a:off x="299803" y="217357"/>
-            <a:ext cx="1197764" cy="369332"/>
+            <a:off x="4719521" y="2395841"/>
+            <a:ext cx="902811" cy="307777"/>
           </a:xfrm>
           <a:prstGeom prst="rect">
             <a:avLst/>
@@ -3814,10 +4055,100 @@
           <a:lstStyle/>
           <a:p>
             <a:r>
-              <a:rPr lang="en-US" altLang="ko-KR" dirty="0"/>
-              <a:t>11111111</a:t>
-            </a:r>
-            <a:endParaRPr lang="ko-KR" altLang="en-US" dirty="0"/>
+              <a:rPr lang="ko-KR" altLang="en-US" sz="1400" dirty="0"/>
+              <a:t>구조변경</a:t>
+            </a:r>
+          </a:p>
+        </p:txBody>
+      </p:sp>
+      <p:cxnSp>
+        <p:nvCxnSpPr>
+          <p:cNvPr id="15" name="직선 화살표 연결선 14">
+            <a:extLst>
+              <a:ext uri="{FF2B5EF4-FFF2-40B4-BE49-F238E27FC236}">
+                <a16:creationId xmlns:a16="http://schemas.microsoft.com/office/drawing/2014/main" id="{ECD23DEC-D165-72BB-B40C-3699FF15CB1C}"/>
+              </a:ext>
+            </a:extLst>
+          </p:cNvPr>
+          <p:cNvCxnSpPr/>
+          <p:nvPr/>
+        </p:nvCxnSpPr>
+        <p:spPr>
+          <a:xfrm flipV="1">
+            <a:off x="8719457" y="2532703"/>
+            <a:ext cx="0" cy="610547"/>
+          </a:xfrm>
+          <a:prstGeom prst="straightConnector1">
+            <a:avLst/>
+          </a:prstGeom>
+          <a:ln>
+            <a:tailEnd type="triangle"/>
+          </a:ln>
+        </p:spPr>
+        <p:style>
+          <a:lnRef idx="1">
+            <a:schemeClr val="accent1"/>
+          </a:lnRef>
+          <a:fillRef idx="0">
+            <a:schemeClr val="accent1"/>
+          </a:fillRef>
+          <a:effectRef idx="0">
+            <a:schemeClr val="accent1"/>
+          </a:effectRef>
+          <a:fontRef idx="minor">
+            <a:schemeClr val="tx1"/>
+          </a:fontRef>
+        </p:style>
+      </p:cxnSp>
+      <p:sp>
+        <p:nvSpPr>
+          <p:cNvPr id="16" name="TextBox 15">
+            <a:extLst>
+              <a:ext uri="{FF2B5EF4-FFF2-40B4-BE49-F238E27FC236}">
+                <a16:creationId xmlns:a16="http://schemas.microsoft.com/office/drawing/2014/main" id="{F0A02D8C-42BB-ADA5-2014-28A48BB83999}"/>
+              </a:ext>
+            </a:extLst>
+          </p:cNvPr>
+          <p:cNvSpPr txBox="1"/>
+          <p:nvPr/>
+        </p:nvSpPr>
+        <p:spPr>
+          <a:xfrm>
+            <a:off x="7789554" y="3224188"/>
+            <a:ext cx="1859805" cy="523220"/>
+          </a:xfrm>
+          <a:prstGeom prst="rect">
+            <a:avLst/>
+          </a:prstGeom>
+          <a:noFill/>
+        </p:spPr>
+        <p:txBody>
+          <a:bodyPr wrap="none" rtlCol="0">
+            <a:spAutoFit/>
+          </a:bodyPr>
+          <a:lstStyle/>
+          <a:p>
+            <a:r>
+              <a:rPr lang="ko-KR" altLang="en-US" sz="1400" dirty="0"/>
+              <a:t>클래스명 </a:t>
+            </a:r>
+            <a:r>
+              <a:rPr lang="en-US" altLang="ko-KR" sz="1400" b="0" dirty="0" err="1">
+                <a:effectLst/>
+                <a:latin typeface="Consolas" panose="020B0609020204030204" pitchFamily="49" charset="0"/>
+              </a:rPr>
+              <a:t>btnRemove</a:t>
+            </a:r>
+            <a:endParaRPr lang="en-US" altLang="ko-KR" sz="1400" b="0" dirty="0">
+              <a:effectLst/>
+              <a:latin typeface="Consolas" panose="020B0609020204030204" pitchFamily="49" charset="0"/>
+            </a:endParaRPr>
+          </a:p>
+          <a:p>
+            <a:r>
+              <a:rPr lang="ko-KR" altLang="en-US" sz="1400" dirty="0"/>
+              <a:t>로 변경</a:t>
+            </a:r>
           </a:p>
         </p:txBody>
       </p:sp>

--- a/ppt/05-12.pptx
+++ b/ppt/05-12.pptx
@@ -3947,7 +3947,7 @@
         </p:blipFill>
         <p:spPr>
           <a:xfrm>
-            <a:off x="6372046" y="1370491"/>
+            <a:off x="6404702" y="3206965"/>
             <a:ext cx="3477110" cy="1162212"/>
           </a:xfrm>
           <a:prstGeom prst="rect">
@@ -3977,7 +3977,7 @@
         </p:blipFill>
         <p:spPr>
           <a:xfrm>
-            <a:off x="954964" y="1370663"/>
+            <a:off x="987620" y="3207137"/>
             <a:ext cx="3486637" cy="1209844"/>
           </a:xfrm>
           <a:prstGeom prst="rect">
@@ -4001,7 +4001,7 @@
         </p:nvCxnSpPr>
         <p:spPr>
           <a:xfrm>
-            <a:off x="4589188" y="2171861"/>
+            <a:off x="4621844" y="4008335"/>
             <a:ext cx="1782858" cy="89646"/>
           </a:xfrm>
           <a:prstGeom prst="straightConnector1">
@@ -4040,7 +4040,7 @@
         </p:nvSpPr>
         <p:spPr>
           <a:xfrm>
-            <a:off x="4719521" y="2395841"/>
+            <a:off x="4752177" y="4232315"/>
             <a:ext cx="902811" cy="307777"/>
           </a:xfrm>
           <a:prstGeom prst="rect">
@@ -4075,7 +4075,7 @@
         </p:nvCxnSpPr>
         <p:spPr>
           <a:xfrm flipV="1">
-            <a:off x="8719457" y="2532703"/>
+            <a:off x="8752113" y="4369177"/>
             <a:ext cx="0" cy="610547"/>
           </a:xfrm>
           <a:prstGeom prst="straightConnector1">
@@ -4114,7 +4114,7 @@
         </p:nvSpPr>
         <p:spPr>
           <a:xfrm>
-            <a:off x="7789554" y="3224188"/>
+            <a:off x="7822210" y="5060662"/>
             <a:ext cx="1859805" cy="523220"/>
           </a:xfrm>
           <a:prstGeom prst="rect">
@@ -4152,6 +4152,71 @@
           </a:p>
         </p:txBody>
       </p:sp>
+      <p:sp>
+        <p:nvSpPr>
+          <p:cNvPr id="2" name="TextBox 1">
+            <a:extLst>
+              <a:ext uri="{FF2B5EF4-FFF2-40B4-BE49-F238E27FC236}">
+                <a16:creationId xmlns:a16="http://schemas.microsoft.com/office/drawing/2014/main" id="{B27548DB-2F60-41CB-2458-1FCFF3854E0D}"/>
+              </a:ext>
+            </a:extLst>
+          </p:cNvPr>
+          <p:cNvSpPr txBox="1"/>
+          <p:nvPr/>
+        </p:nvSpPr>
+        <p:spPr>
+          <a:xfrm>
+            <a:off x="1200150" y="587829"/>
+            <a:ext cx="1107996" cy="369332"/>
+          </a:xfrm>
+          <a:prstGeom prst="rect">
+            <a:avLst/>
+          </a:prstGeom>
+          <a:noFill/>
+        </p:spPr>
+        <p:txBody>
+          <a:bodyPr wrap="none" rtlCol="0">
+            <a:spAutoFit/>
+          </a:bodyPr>
+          <a:lstStyle/>
+          <a:p>
+            <a:r>
+              <a:rPr lang="ko-KR" altLang="en-US" dirty="0"/>
+              <a:t>통합검색</a:t>
+            </a:r>
+          </a:p>
+        </p:txBody>
+      </p:sp>
+      <p:pic>
+        <p:nvPicPr>
+          <p:cNvPr id="4" name="그림 3">
+            <a:extLst>
+              <a:ext uri="{FF2B5EF4-FFF2-40B4-BE49-F238E27FC236}">
+                <a16:creationId xmlns:a16="http://schemas.microsoft.com/office/drawing/2014/main" id="{99074D0D-022C-CC2C-30AE-DCA3A3948852}"/>
+              </a:ext>
+            </a:extLst>
+          </p:cNvPr>
+          <p:cNvPicPr>
+            <a:picLocks noChangeAspect="1"/>
+          </p:cNvPicPr>
+          <p:nvPr/>
+        </p:nvPicPr>
+        <p:blipFill>
+          <a:blip r:embed="rId4"/>
+          <a:stretch>
+            <a:fillRect/>
+          </a:stretch>
+        </p:blipFill>
+        <p:spPr>
+          <a:xfrm>
+            <a:off x="1200150" y="1758531"/>
+            <a:ext cx="3801005" cy="981212"/>
+          </a:xfrm>
+          <a:prstGeom prst="rect">
+            <a:avLst/>
+          </a:prstGeom>
+        </p:spPr>
+      </p:pic>
     </p:spTree>
     <p:extLst>
       <p:ext uri="{BB962C8B-B14F-4D97-AF65-F5344CB8AC3E}">

--- a/ppt/05-12.pptx
+++ b/ppt/05-12.pptx
@@ -10,6 +10,7 @@
     <p:sldId id="278" r:id="rId4"/>
     <p:sldId id="279" r:id="rId5"/>
     <p:sldId id="280" r:id="rId6"/>
+    <p:sldId id="281" r:id="rId7"/>
   </p:sldIdLst>
   <p:sldSz cx="12192000" cy="6858000"/>
   <p:notesSz cx="6858000" cy="9144000"/>
@@ -4230,6 +4231,140 @@
 </p:sld>
 </file>
 
+<file path=ppt/slides/slide6.xml><?xml version="1.0" encoding="utf-8"?>
+<p:sld xmlns:a="http://schemas.openxmlformats.org/drawingml/2006/main" xmlns:r="http://schemas.openxmlformats.org/officeDocument/2006/relationships" xmlns:p="http://schemas.openxmlformats.org/presentationml/2006/main">
+  <p:cSld>
+    <p:spTree>
+      <p:nvGrpSpPr>
+        <p:cNvPr id="1" name=""/>
+        <p:cNvGrpSpPr/>
+        <p:nvPr/>
+      </p:nvGrpSpPr>
+      <p:grpSpPr>
+        <a:xfrm>
+          <a:off x="0" y="0"/>
+          <a:ext cx="0" cy="0"/>
+          <a:chOff x="0" y="0"/>
+          <a:chExt cx="0" cy="0"/>
+        </a:xfrm>
+      </p:grpSpPr>
+      <p:sp>
+        <p:nvSpPr>
+          <p:cNvPr id="2" name="TextBox 1">
+            <a:extLst>
+              <a:ext uri="{FF2B5EF4-FFF2-40B4-BE49-F238E27FC236}">
+                <a16:creationId xmlns:a16="http://schemas.microsoft.com/office/drawing/2014/main" id="{B27548DB-2F60-41CB-2458-1FCFF3854E0D}"/>
+              </a:ext>
+            </a:extLst>
+          </p:cNvPr>
+          <p:cNvSpPr txBox="1"/>
+          <p:nvPr/>
+        </p:nvSpPr>
+        <p:spPr>
+          <a:xfrm>
+            <a:off x="278255" y="332996"/>
+            <a:ext cx="1872629" cy="369332"/>
+          </a:xfrm>
+          <a:prstGeom prst="rect">
+            <a:avLst/>
+          </a:prstGeom>
+          <a:noFill/>
+        </p:spPr>
+        <p:txBody>
+          <a:bodyPr wrap="none" rtlCol="0">
+            <a:spAutoFit/>
+          </a:bodyPr>
+          <a:lstStyle/>
+          <a:p>
+            <a:r>
+              <a:rPr lang="en-US" altLang="ko-KR" dirty="0"/>
+              <a:t>UI-SJN-01-001U</a:t>
+            </a:r>
+            <a:endParaRPr lang="ko-KR" altLang="en-US" dirty="0"/>
+          </a:p>
+        </p:txBody>
+      </p:sp>
+      <p:pic>
+        <p:nvPicPr>
+          <p:cNvPr id="3" name="그림 2"/>
+          <p:cNvPicPr>
+            <a:picLocks noChangeAspect="1"/>
+          </p:cNvPicPr>
+          <p:nvPr/>
+        </p:nvPicPr>
+        <p:blipFill>
+          <a:blip r:embed="rId2"/>
+          <a:stretch>
+            <a:fillRect/>
+          </a:stretch>
+        </p:blipFill>
+        <p:spPr>
+          <a:xfrm>
+            <a:off x="304432" y="1041817"/>
+            <a:ext cx="3438517" cy="4453548"/>
+          </a:xfrm>
+          <a:prstGeom prst="rect">
+            <a:avLst/>
+          </a:prstGeom>
+        </p:spPr>
+      </p:pic>
+      <p:sp>
+        <p:nvSpPr>
+          <p:cNvPr id="11" name="TextBox 10">
+            <a:extLst>
+              <a:ext uri="{FF2B5EF4-FFF2-40B4-BE49-F238E27FC236}">
+                <a16:creationId xmlns:a16="http://schemas.microsoft.com/office/drawing/2014/main" id="{F0A02D8C-42BB-ADA5-2014-28A48BB83999}"/>
+              </a:ext>
+            </a:extLst>
+          </p:cNvPr>
+          <p:cNvSpPr txBox="1"/>
+          <p:nvPr/>
+        </p:nvSpPr>
+        <p:spPr>
+          <a:xfrm>
+            <a:off x="4456918" y="2707207"/>
+            <a:ext cx="2262158" cy="307777"/>
+          </a:xfrm>
+          <a:prstGeom prst="rect">
+            <a:avLst/>
+          </a:prstGeom>
+          <a:noFill/>
+        </p:spPr>
+        <p:txBody>
+          <a:bodyPr wrap="none" rtlCol="0">
+            <a:spAutoFit/>
+          </a:bodyPr>
+          <a:lstStyle/>
+          <a:p>
+            <a:r>
+              <a:rPr lang="ko-KR" altLang="en-US" sz="1400" dirty="0" err="1" smtClean="0"/>
+              <a:t>선별진료소</a:t>
+            </a:r>
+            <a:r>
+              <a:rPr lang="ko-KR" altLang="en-US" sz="1400" dirty="0" smtClean="0"/>
+              <a:t> 추가했습니다</a:t>
+            </a:r>
+            <a:r>
+              <a:rPr lang="en-US" altLang="ko-KR" sz="1400" dirty="0" smtClean="0"/>
+              <a:t>.</a:t>
+            </a:r>
+            <a:endParaRPr lang="ko-KR" altLang="en-US" sz="1400" dirty="0"/>
+          </a:p>
+        </p:txBody>
+      </p:sp>
+    </p:spTree>
+    <p:extLst>
+      <p:ext uri="{BB962C8B-B14F-4D97-AF65-F5344CB8AC3E}">
+        <p14:creationId xmlns:p14="http://schemas.microsoft.com/office/powerpoint/2010/main" val="1333382881"/>
+      </p:ext>
+    </p:extLst>
+  </p:cSld>
+  <p:clrMapOvr>
+    <a:masterClrMapping/>
+  </p:clrMapOvr>
+</p:sld>
+</file>
+
 <file path=ppt/theme/theme1.xml><?xml version="1.0" encoding="utf-8"?>
 <a:theme xmlns:a="http://schemas.openxmlformats.org/drawingml/2006/main" name="Office 테마">
   <a:themeElements>
